--- a/ppt 16-9/0274.我王快来.pptx
+++ b/ppt 16-9/0274.我王快来.pptx
@@ -5,7 +5,7 @@
     <p:sldMasterId id="2147483648" r:id="rId1"/>
   </p:sldMasterIdLst>
   <p:sldIdLst>
-    <p:sldId id="3136" r:id="rId2"/>
+    <p:sldId id="3137" r:id="rId2"/>
   </p:sldIdLst>
   <p:sldSz cx="12192000" cy="6858000"/>
   <p:notesSz cx="6858000" cy="9144000"/>
@@ -129,7 +129,7 @@
           <p:cNvPr id="2" name="标题 1">
             <a:extLst>
               <a:ext uri="{FF2B5EF4-FFF2-40B4-BE49-F238E27FC236}">
-                <a16:creationId xmlns:a16="http://schemas.microsoft.com/office/drawing/2014/main" id="{3A92F792-A68A-FFEF-19A3-1FC4A133D6A6}"/>
+                <a16:creationId xmlns:a16="http://schemas.microsoft.com/office/drawing/2014/main" id="{0AF5A827-AB05-E71C-8153-F047CA91AAED}"/>
               </a:ext>
             </a:extLst>
           </p:cNvPr>
@@ -166,7 +166,7 @@
           <p:cNvPr id="3" name="副标题 2">
             <a:extLst>
               <a:ext uri="{FF2B5EF4-FFF2-40B4-BE49-F238E27FC236}">
-                <a16:creationId xmlns:a16="http://schemas.microsoft.com/office/drawing/2014/main" id="{CA62D715-AC7A-BEC3-D20C-A3234C4FE5F4}"/>
+                <a16:creationId xmlns:a16="http://schemas.microsoft.com/office/drawing/2014/main" id="{42BC5DD8-5A99-4190-7F73-506ADB03A5FC}"/>
               </a:ext>
             </a:extLst>
           </p:cNvPr>
@@ -236,7 +236,7 @@
           <p:cNvPr id="4" name="日期占位符 3">
             <a:extLst>
               <a:ext uri="{FF2B5EF4-FFF2-40B4-BE49-F238E27FC236}">
-                <a16:creationId xmlns:a16="http://schemas.microsoft.com/office/drawing/2014/main" id="{01172A20-19A1-7DD1-145F-03E57D3F78B0}"/>
+                <a16:creationId xmlns:a16="http://schemas.microsoft.com/office/drawing/2014/main" id="{ECBB3441-0486-DC04-20E6-FE75B958962B}"/>
               </a:ext>
             </a:extLst>
           </p:cNvPr>
@@ -252,7 +252,7 @@
           <a:bodyPr/>
           <a:lstStyle/>
           <a:p>
-            <a:fld id="{A20725FA-4520-4EB7-92C4-9C83B35DEF71}" type="datetimeFigureOut">
+            <a:fld id="{08DAAAE5-B136-4104-9AC8-CE17C0E01DA3}" type="datetimeFigureOut">
               <a:rPr lang="zh-CN" altLang="en-US" smtClean="0"/>
               <a:t>2024/3/10</a:t>
             </a:fld>
@@ -265,7 +265,7 @@
           <p:cNvPr id="5" name="页脚占位符 4">
             <a:extLst>
               <a:ext uri="{FF2B5EF4-FFF2-40B4-BE49-F238E27FC236}">
-                <a16:creationId xmlns:a16="http://schemas.microsoft.com/office/drawing/2014/main" id="{9F5B773C-98E4-7D1B-0A5E-8B03A867548E}"/>
+                <a16:creationId xmlns:a16="http://schemas.microsoft.com/office/drawing/2014/main" id="{7D0B2C33-382D-8C72-1BFD-59D6961BC857}"/>
               </a:ext>
             </a:extLst>
           </p:cNvPr>
@@ -290,7 +290,7 @@
           <p:cNvPr id="6" name="灯片编号占位符 5">
             <a:extLst>
               <a:ext uri="{FF2B5EF4-FFF2-40B4-BE49-F238E27FC236}">
-                <a16:creationId xmlns:a16="http://schemas.microsoft.com/office/drawing/2014/main" id="{A2761843-E4C2-99CD-3EFC-FF15E8A09362}"/>
+                <a16:creationId xmlns:a16="http://schemas.microsoft.com/office/drawing/2014/main" id="{F609EF8D-0494-EC0B-9FFA-154B988E1A4A}"/>
               </a:ext>
             </a:extLst>
           </p:cNvPr>
@@ -306,7 +306,7 @@
           <a:bodyPr/>
           <a:lstStyle/>
           <a:p>
-            <a:fld id="{9BEF1658-667D-49AB-8C14-B1AC727876ED}" type="slidenum">
+            <a:fld id="{4535E4E4-D0CD-4938-AC31-74A12FFABE2E}" type="slidenum">
               <a:rPr lang="zh-CN" altLang="en-US" smtClean="0"/>
               <a:t>‹#›</a:t>
             </a:fld>
@@ -317,7 +317,7 @@
     </p:spTree>
     <p:extLst>
       <p:ext uri="{BB962C8B-B14F-4D97-AF65-F5344CB8AC3E}">
-        <p14:creationId xmlns:p14="http://schemas.microsoft.com/office/powerpoint/2010/main" val="332363892"/>
+        <p14:creationId xmlns:p14="http://schemas.microsoft.com/office/powerpoint/2010/main" val="473208501"/>
       </p:ext>
     </p:extLst>
   </p:cSld>
@@ -349,7 +349,7 @@
           <p:cNvPr id="2" name="标题 1">
             <a:extLst>
               <a:ext uri="{FF2B5EF4-FFF2-40B4-BE49-F238E27FC236}">
-                <a16:creationId xmlns:a16="http://schemas.microsoft.com/office/drawing/2014/main" id="{EF65CA47-A12F-BF57-8078-9A5FC5A2AC78}"/>
+                <a16:creationId xmlns:a16="http://schemas.microsoft.com/office/drawing/2014/main" id="{028B7DE2-7C4B-C247-02FC-C4B4693C354A}"/>
               </a:ext>
             </a:extLst>
           </p:cNvPr>
@@ -377,7 +377,7 @@
           <p:cNvPr id="3" name="竖排文字占位符 2">
             <a:extLst>
               <a:ext uri="{FF2B5EF4-FFF2-40B4-BE49-F238E27FC236}">
-                <a16:creationId xmlns:a16="http://schemas.microsoft.com/office/drawing/2014/main" id="{57B68F8E-3077-48F8-CF61-377C62E869D0}"/>
+                <a16:creationId xmlns:a16="http://schemas.microsoft.com/office/drawing/2014/main" id="{A02CBBCF-4262-88DF-1224-788985556AE1}"/>
               </a:ext>
             </a:extLst>
           </p:cNvPr>
@@ -434,7 +434,7 @@
           <p:cNvPr id="4" name="日期占位符 3">
             <a:extLst>
               <a:ext uri="{FF2B5EF4-FFF2-40B4-BE49-F238E27FC236}">
-                <a16:creationId xmlns:a16="http://schemas.microsoft.com/office/drawing/2014/main" id="{7ED79499-99A6-89C4-69FA-0A2FE802A435}"/>
+                <a16:creationId xmlns:a16="http://schemas.microsoft.com/office/drawing/2014/main" id="{6006AD02-9935-F2DC-C1AF-F51F4C8C7AC9}"/>
               </a:ext>
             </a:extLst>
           </p:cNvPr>
@@ -450,7 +450,7 @@
           <a:bodyPr/>
           <a:lstStyle/>
           <a:p>
-            <a:fld id="{A20725FA-4520-4EB7-92C4-9C83B35DEF71}" type="datetimeFigureOut">
+            <a:fld id="{08DAAAE5-B136-4104-9AC8-CE17C0E01DA3}" type="datetimeFigureOut">
               <a:rPr lang="zh-CN" altLang="en-US" smtClean="0"/>
               <a:t>2024/3/10</a:t>
             </a:fld>
@@ -463,7 +463,7 @@
           <p:cNvPr id="5" name="页脚占位符 4">
             <a:extLst>
               <a:ext uri="{FF2B5EF4-FFF2-40B4-BE49-F238E27FC236}">
-                <a16:creationId xmlns:a16="http://schemas.microsoft.com/office/drawing/2014/main" id="{A71F0254-A072-B087-C579-64EF18FD367E}"/>
+                <a16:creationId xmlns:a16="http://schemas.microsoft.com/office/drawing/2014/main" id="{F6334906-BC25-F843-588E-0E719E65E49C}"/>
               </a:ext>
             </a:extLst>
           </p:cNvPr>
@@ -488,7 +488,7 @@
           <p:cNvPr id="6" name="灯片编号占位符 5">
             <a:extLst>
               <a:ext uri="{FF2B5EF4-FFF2-40B4-BE49-F238E27FC236}">
-                <a16:creationId xmlns:a16="http://schemas.microsoft.com/office/drawing/2014/main" id="{36DE5745-CD45-97D2-7B5E-F12C5CA73639}"/>
+                <a16:creationId xmlns:a16="http://schemas.microsoft.com/office/drawing/2014/main" id="{1581E097-E638-BFB8-F427-5D60AE44E23D}"/>
               </a:ext>
             </a:extLst>
           </p:cNvPr>
@@ -504,7 +504,7 @@
           <a:bodyPr/>
           <a:lstStyle/>
           <a:p>
-            <a:fld id="{9BEF1658-667D-49AB-8C14-B1AC727876ED}" type="slidenum">
+            <a:fld id="{4535E4E4-D0CD-4938-AC31-74A12FFABE2E}" type="slidenum">
               <a:rPr lang="zh-CN" altLang="en-US" smtClean="0"/>
               <a:t>‹#›</a:t>
             </a:fld>
@@ -515,7 +515,7 @@
     </p:spTree>
     <p:extLst>
       <p:ext uri="{BB962C8B-B14F-4D97-AF65-F5344CB8AC3E}">
-        <p14:creationId xmlns:p14="http://schemas.microsoft.com/office/powerpoint/2010/main" val="1408089683"/>
+        <p14:creationId xmlns:p14="http://schemas.microsoft.com/office/powerpoint/2010/main" val="3172537209"/>
       </p:ext>
     </p:extLst>
   </p:cSld>
@@ -547,7 +547,7 @@
           <p:cNvPr id="2" name="竖排标题 1">
             <a:extLst>
               <a:ext uri="{FF2B5EF4-FFF2-40B4-BE49-F238E27FC236}">
-                <a16:creationId xmlns:a16="http://schemas.microsoft.com/office/drawing/2014/main" id="{E80D03A1-EB07-45C1-17DB-3EFA165F7F3A}"/>
+                <a16:creationId xmlns:a16="http://schemas.microsoft.com/office/drawing/2014/main" id="{553F0C4D-10B8-C3D1-114B-732F2617DE00}"/>
               </a:ext>
             </a:extLst>
           </p:cNvPr>
@@ -580,7 +580,7 @@
           <p:cNvPr id="3" name="竖排文字占位符 2">
             <a:extLst>
               <a:ext uri="{FF2B5EF4-FFF2-40B4-BE49-F238E27FC236}">
-                <a16:creationId xmlns:a16="http://schemas.microsoft.com/office/drawing/2014/main" id="{D96BD7D3-8B58-34A6-D8A3-1846D701853C}"/>
+                <a16:creationId xmlns:a16="http://schemas.microsoft.com/office/drawing/2014/main" id="{6A252BAC-3157-2ED0-8EB9-E7464F1B0549}"/>
               </a:ext>
             </a:extLst>
           </p:cNvPr>
@@ -642,7 +642,7 @@
           <p:cNvPr id="4" name="日期占位符 3">
             <a:extLst>
               <a:ext uri="{FF2B5EF4-FFF2-40B4-BE49-F238E27FC236}">
-                <a16:creationId xmlns:a16="http://schemas.microsoft.com/office/drawing/2014/main" id="{08B88BB7-55D4-5A77-D503-5C14C25F3C7C}"/>
+                <a16:creationId xmlns:a16="http://schemas.microsoft.com/office/drawing/2014/main" id="{19D4A854-C7AA-2AB6-DE9C-C05394B4232D}"/>
               </a:ext>
             </a:extLst>
           </p:cNvPr>
@@ -658,7 +658,7 @@
           <a:bodyPr/>
           <a:lstStyle/>
           <a:p>
-            <a:fld id="{A20725FA-4520-4EB7-92C4-9C83B35DEF71}" type="datetimeFigureOut">
+            <a:fld id="{08DAAAE5-B136-4104-9AC8-CE17C0E01DA3}" type="datetimeFigureOut">
               <a:rPr lang="zh-CN" altLang="en-US" smtClean="0"/>
               <a:t>2024/3/10</a:t>
             </a:fld>
@@ -671,7 +671,7 @@
           <p:cNvPr id="5" name="页脚占位符 4">
             <a:extLst>
               <a:ext uri="{FF2B5EF4-FFF2-40B4-BE49-F238E27FC236}">
-                <a16:creationId xmlns:a16="http://schemas.microsoft.com/office/drawing/2014/main" id="{18AFEC84-20DF-6F44-8D6E-2376222BAAAA}"/>
+                <a16:creationId xmlns:a16="http://schemas.microsoft.com/office/drawing/2014/main" id="{30B786EE-D160-1417-93ED-48007D0DACE4}"/>
               </a:ext>
             </a:extLst>
           </p:cNvPr>
@@ -696,7 +696,7 @@
           <p:cNvPr id="6" name="灯片编号占位符 5">
             <a:extLst>
               <a:ext uri="{FF2B5EF4-FFF2-40B4-BE49-F238E27FC236}">
-                <a16:creationId xmlns:a16="http://schemas.microsoft.com/office/drawing/2014/main" id="{AA2DEAC4-8C2A-D190-753A-F35039D77FA3}"/>
+                <a16:creationId xmlns:a16="http://schemas.microsoft.com/office/drawing/2014/main" id="{054C3F2F-F800-1C18-7BCA-06893D345DD8}"/>
               </a:ext>
             </a:extLst>
           </p:cNvPr>
@@ -712,7 +712,7 @@
           <a:bodyPr/>
           <a:lstStyle/>
           <a:p>
-            <a:fld id="{9BEF1658-667D-49AB-8C14-B1AC727876ED}" type="slidenum">
+            <a:fld id="{4535E4E4-D0CD-4938-AC31-74A12FFABE2E}" type="slidenum">
               <a:rPr lang="zh-CN" altLang="en-US" smtClean="0"/>
               <a:t>‹#›</a:t>
             </a:fld>
@@ -723,7 +723,7 @@
     </p:spTree>
     <p:extLst>
       <p:ext uri="{BB962C8B-B14F-4D97-AF65-F5344CB8AC3E}">
-        <p14:creationId xmlns:p14="http://schemas.microsoft.com/office/powerpoint/2010/main" val="3042478991"/>
+        <p14:creationId xmlns:p14="http://schemas.microsoft.com/office/powerpoint/2010/main" val="1825894936"/>
       </p:ext>
     </p:extLst>
   </p:cSld>
@@ -755,7 +755,7 @@
           <p:cNvPr id="2" name="标题 1">
             <a:extLst>
               <a:ext uri="{FF2B5EF4-FFF2-40B4-BE49-F238E27FC236}">
-                <a16:creationId xmlns:a16="http://schemas.microsoft.com/office/drawing/2014/main" id="{13182480-75A4-9190-ED06-DB3DE4FFC07C}"/>
+                <a16:creationId xmlns:a16="http://schemas.microsoft.com/office/drawing/2014/main" id="{C3F60810-2F1B-5DB0-FA86-1AEA9001BBFA}"/>
               </a:ext>
             </a:extLst>
           </p:cNvPr>
@@ -783,7 +783,7 @@
           <p:cNvPr id="3" name="内容占位符 2">
             <a:extLst>
               <a:ext uri="{FF2B5EF4-FFF2-40B4-BE49-F238E27FC236}">
-                <a16:creationId xmlns:a16="http://schemas.microsoft.com/office/drawing/2014/main" id="{201895EE-1B2E-EE60-71BD-1811FD796D30}"/>
+                <a16:creationId xmlns:a16="http://schemas.microsoft.com/office/drawing/2014/main" id="{F3E53312-46A5-6A02-C1F0-1B4E8769236E}"/>
               </a:ext>
             </a:extLst>
           </p:cNvPr>
@@ -840,7 +840,7 @@
           <p:cNvPr id="4" name="日期占位符 3">
             <a:extLst>
               <a:ext uri="{FF2B5EF4-FFF2-40B4-BE49-F238E27FC236}">
-                <a16:creationId xmlns:a16="http://schemas.microsoft.com/office/drawing/2014/main" id="{7ACA37C5-3105-6526-344D-7F8D3B3DA798}"/>
+                <a16:creationId xmlns:a16="http://schemas.microsoft.com/office/drawing/2014/main" id="{02C8F111-DF5A-07B4-AB9F-129993B5F5FF}"/>
               </a:ext>
             </a:extLst>
           </p:cNvPr>
@@ -856,7 +856,7 @@
           <a:bodyPr/>
           <a:lstStyle/>
           <a:p>
-            <a:fld id="{A20725FA-4520-4EB7-92C4-9C83B35DEF71}" type="datetimeFigureOut">
+            <a:fld id="{08DAAAE5-B136-4104-9AC8-CE17C0E01DA3}" type="datetimeFigureOut">
               <a:rPr lang="zh-CN" altLang="en-US" smtClean="0"/>
               <a:t>2024/3/10</a:t>
             </a:fld>
@@ -869,7 +869,7 @@
           <p:cNvPr id="5" name="页脚占位符 4">
             <a:extLst>
               <a:ext uri="{FF2B5EF4-FFF2-40B4-BE49-F238E27FC236}">
-                <a16:creationId xmlns:a16="http://schemas.microsoft.com/office/drawing/2014/main" id="{D57178F1-4960-E1F7-980C-867FFCCCAF01}"/>
+                <a16:creationId xmlns:a16="http://schemas.microsoft.com/office/drawing/2014/main" id="{371AB22F-1F81-88EB-6A90-FC9B6E69C41E}"/>
               </a:ext>
             </a:extLst>
           </p:cNvPr>
@@ -894,7 +894,7 @@
           <p:cNvPr id="6" name="灯片编号占位符 5">
             <a:extLst>
               <a:ext uri="{FF2B5EF4-FFF2-40B4-BE49-F238E27FC236}">
-                <a16:creationId xmlns:a16="http://schemas.microsoft.com/office/drawing/2014/main" id="{FA2A872D-4323-3EF6-F04C-2669F032262D}"/>
+                <a16:creationId xmlns:a16="http://schemas.microsoft.com/office/drawing/2014/main" id="{960618B2-DFFD-D08A-DF9D-B041207DBF7A}"/>
               </a:ext>
             </a:extLst>
           </p:cNvPr>
@@ -910,7 +910,7 @@
           <a:bodyPr/>
           <a:lstStyle/>
           <a:p>
-            <a:fld id="{9BEF1658-667D-49AB-8C14-B1AC727876ED}" type="slidenum">
+            <a:fld id="{4535E4E4-D0CD-4938-AC31-74A12FFABE2E}" type="slidenum">
               <a:rPr lang="zh-CN" altLang="en-US" smtClean="0"/>
               <a:t>‹#›</a:t>
             </a:fld>
@@ -921,7 +921,7 @@
     </p:spTree>
     <p:extLst>
       <p:ext uri="{BB962C8B-B14F-4D97-AF65-F5344CB8AC3E}">
-        <p14:creationId xmlns:p14="http://schemas.microsoft.com/office/powerpoint/2010/main" val="2771618710"/>
+        <p14:creationId xmlns:p14="http://schemas.microsoft.com/office/powerpoint/2010/main" val="767361228"/>
       </p:ext>
     </p:extLst>
   </p:cSld>
@@ -953,7 +953,7 @@
           <p:cNvPr id="2" name="标题 1">
             <a:extLst>
               <a:ext uri="{FF2B5EF4-FFF2-40B4-BE49-F238E27FC236}">
-                <a16:creationId xmlns:a16="http://schemas.microsoft.com/office/drawing/2014/main" id="{E3F3125E-FB13-003A-4D17-1D8DD74C98E7}"/>
+                <a16:creationId xmlns:a16="http://schemas.microsoft.com/office/drawing/2014/main" id="{E3034FB4-D89C-27AD-D169-C7CAE5C9AF27}"/>
               </a:ext>
             </a:extLst>
           </p:cNvPr>
@@ -990,7 +990,7 @@
           <p:cNvPr id="3" name="文本占位符 2">
             <a:extLst>
               <a:ext uri="{FF2B5EF4-FFF2-40B4-BE49-F238E27FC236}">
-                <a16:creationId xmlns:a16="http://schemas.microsoft.com/office/drawing/2014/main" id="{05B23824-68C7-07F5-A7B0-85F77D552A42}"/>
+                <a16:creationId xmlns:a16="http://schemas.microsoft.com/office/drawing/2014/main" id="{0EAAE92D-048A-38B2-E4C5-C98780992B7F}"/>
               </a:ext>
             </a:extLst>
           </p:cNvPr>
@@ -1115,7 +1115,7 @@
           <p:cNvPr id="4" name="日期占位符 3">
             <a:extLst>
               <a:ext uri="{FF2B5EF4-FFF2-40B4-BE49-F238E27FC236}">
-                <a16:creationId xmlns:a16="http://schemas.microsoft.com/office/drawing/2014/main" id="{31AA14FB-F6FD-1FAB-72B9-C77FD4ED82B0}"/>
+                <a16:creationId xmlns:a16="http://schemas.microsoft.com/office/drawing/2014/main" id="{93D5ED25-7F07-97E9-D7D7-B0C2F0B47C21}"/>
               </a:ext>
             </a:extLst>
           </p:cNvPr>
@@ -1131,7 +1131,7 @@
           <a:bodyPr/>
           <a:lstStyle/>
           <a:p>
-            <a:fld id="{A20725FA-4520-4EB7-92C4-9C83B35DEF71}" type="datetimeFigureOut">
+            <a:fld id="{08DAAAE5-B136-4104-9AC8-CE17C0E01DA3}" type="datetimeFigureOut">
               <a:rPr lang="zh-CN" altLang="en-US" smtClean="0"/>
               <a:t>2024/3/10</a:t>
             </a:fld>
@@ -1144,7 +1144,7 @@
           <p:cNvPr id="5" name="页脚占位符 4">
             <a:extLst>
               <a:ext uri="{FF2B5EF4-FFF2-40B4-BE49-F238E27FC236}">
-                <a16:creationId xmlns:a16="http://schemas.microsoft.com/office/drawing/2014/main" id="{B53D1B00-48E7-EA57-A97C-5D5BE16F3C19}"/>
+                <a16:creationId xmlns:a16="http://schemas.microsoft.com/office/drawing/2014/main" id="{FD4603E6-8D77-6FE7-1176-DD45B6718280}"/>
               </a:ext>
             </a:extLst>
           </p:cNvPr>
@@ -1169,7 +1169,7 @@
           <p:cNvPr id="6" name="灯片编号占位符 5">
             <a:extLst>
               <a:ext uri="{FF2B5EF4-FFF2-40B4-BE49-F238E27FC236}">
-                <a16:creationId xmlns:a16="http://schemas.microsoft.com/office/drawing/2014/main" id="{48F0852B-CE4B-9C03-2AE9-DAA640B326FE}"/>
+                <a16:creationId xmlns:a16="http://schemas.microsoft.com/office/drawing/2014/main" id="{5AB5600E-A242-E565-C149-E03D3F36D6DE}"/>
               </a:ext>
             </a:extLst>
           </p:cNvPr>
@@ -1185,7 +1185,7 @@
           <a:bodyPr/>
           <a:lstStyle/>
           <a:p>
-            <a:fld id="{9BEF1658-667D-49AB-8C14-B1AC727876ED}" type="slidenum">
+            <a:fld id="{4535E4E4-D0CD-4938-AC31-74A12FFABE2E}" type="slidenum">
               <a:rPr lang="zh-CN" altLang="en-US" smtClean="0"/>
               <a:t>‹#›</a:t>
             </a:fld>
@@ -1196,7 +1196,7 @@
     </p:spTree>
     <p:extLst>
       <p:ext uri="{BB962C8B-B14F-4D97-AF65-F5344CB8AC3E}">
-        <p14:creationId xmlns:p14="http://schemas.microsoft.com/office/powerpoint/2010/main" val="2519983597"/>
+        <p14:creationId xmlns:p14="http://schemas.microsoft.com/office/powerpoint/2010/main" val="1933706599"/>
       </p:ext>
     </p:extLst>
   </p:cSld>
@@ -1228,7 +1228,7 @@
           <p:cNvPr id="2" name="标题 1">
             <a:extLst>
               <a:ext uri="{FF2B5EF4-FFF2-40B4-BE49-F238E27FC236}">
-                <a16:creationId xmlns:a16="http://schemas.microsoft.com/office/drawing/2014/main" id="{2099BD17-492E-E295-761C-5D764DA1D252}"/>
+                <a16:creationId xmlns:a16="http://schemas.microsoft.com/office/drawing/2014/main" id="{D8AE0FCC-989D-0DFD-C5D3-F8C12E7C1957}"/>
               </a:ext>
             </a:extLst>
           </p:cNvPr>
@@ -1256,7 +1256,7 @@
           <p:cNvPr id="3" name="内容占位符 2">
             <a:extLst>
               <a:ext uri="{FF2B5EF4-FFF2-40B4-BE49-F238E27FC236}">
-                <a16:creationId xmlns:a16="http://schemas.microsoft.com/office/drawing/2014/main" id="{0A6F9416-EBF0-C8D1-688C-8F8F28B7B010}"/>
+                <a16:creationId xmlns:a16="http://schemas.microsoft.com/office/drawing/2014/main" id="{163755CE-CFCB-849B-4536-0B0DF6D25FC9}"/>
               </a:ext>
             </a:extLst>
           </p:cNvPr>
@@ -1318,7 +1318,7 @@
           <p:cNvPr id="4" name="内容占位符 3">
             <a:extLst>
               <a:ext uri="{FF2B5EF4-FFF2-40B4-BE49-F238E27FC236}">
-                <a16:creationId xmlns:a16="http://schemas.microsoft.com/office/drawing/2014/main" id="{A0ADCBC7-56A1-3128-CBF8-2E6E70CCA45D}"/>
+                <a16:creationId xmlns:a16="http://schemas.microsoft.com/office/drawing/2014/main" id="{AFBB7CAE-CB98-A34E-CF63-BD251620811B}"/>
               </a:ext>
             </a:extLst>
           </p:cNvPr>
@@ -1380,7 +1380,7 @@
           <p:cNvPr id="5" name="日期占位符 4">
             <a:extLst>
               <a:ext uri="{FF2B5EF4-FFF2-40B4-BE49-F238E27FC236}">
-                <a16:creationId xmlns:a16="http://schemas.microsoft.com/office/drawing/2014/main" id="{34B33D84-6A7F-E69C-3C5A-37F489EBEF5D}"/>
+                <a16:creationId xmlns:a16="http://schemas.microsoft.com/office/drawing/2014/main" id="{9569C7A1-33AA-BB40-08D2-D0E24DF89472}"/>
               </a:ext>
             </a:extLst>
           </p:cNvPr>
@@ -1396,7 +1396,7 @@
           <a:bodyPr/>
           <a:lstStyle/>
           <a:p>
-            <a:fld id="{A20725FA-4520-4EB7-92C4-9C83B35DEF71}" type="datetimeFigureOut">
+            <a:fld id="{08DAAAE5-B136-4104-9AC8-CE17C0E01DA3}" type="datetimeFigureOut">
               <a:rPr lang="zh-CN" altLang="en-US" smtClean="0"/>
               <a:t>2024/3/10</a:t>
             </a:fld>
@@ -1409,7 +1409,7 @@
           <p:cNvPr id="6" name="页脚占位符 5">
             <a:extLst>
               <a:ext uri="{FF2B5EF4-FFF2-40B4-BE49-F238E27FC236}">
-                <a16:creationId xmlns:a16="http://schemas.microsoft.com/office/drawing/2014/main" id="{2921B4E1-971B-CF38-0AED-8A2A22F8B612}"/>
+                <a16:creationId xmlns:a16="http://schemas.microsoft.com/office/drawing/2014/main" id="{CC6EE57F-5841-97EB-6D38-CEE089D91D31}"/>
               </a:ext>
             </a:extLst>
           </p:cNvPr>
@@ -1434,7 +1434,7 @@
           <p:cNvPr id="7" name="灯片编号占位符 6">
             <a:extLst>
               <a:ext uri="{FF2B5EF4-FFF2-40B4-BE49-F238E27FC236}">
-                <a16:creationId xmlns:a16="http://schemas.microsoft.com/office/drawing/2014/main" id="{BE0D8D29-3649-5769-DE99-7F59FBE12455}"/>
+                <a16:creationId xmlns:a16="http://schemas.microsoft.com/office/drawing/2014/main" id="{644A6DF2-F328-3DD9-3463-BDED971CDCCA}"/>
               </a:ext>
             </a:extLst>
           </p:cNvPr>
@@ -1450,7 +1450,7 @@
           <a:bodyPr/>
           <a:lstStyle/>
           <a:p>
-            <a:fld id="{9BEF1658-667D-49AB-8C14-B1AC727876ED}" type="slidenum">
+            <a:fld id="{4535E4E4-D0CD-4938-AC31-74A12FFABE2E}" type="slidenum">
               <a:rPr lang="zh-CN" altLang="en-US" smtClean="0"/>
               <a:t>‹#›</a:t>
             </a:fld>
@@ -1461,7 +1461,7 @@
     </p:spTree>
     <p:extLst>
       <p:ext uri="{BB962C8B-B14F-4D97-AF65-F5344CB8AC3E}">
-        <p14:creationId xmlns:p14="http://schemas.microsoft.com/office/powerpoint/2010/main" val="3159984690"/>
+        <p14:creationId xmlns:p14="http://schemas.microsoft.com/office/powerpoint/2010/main" val="3838304303"/>
       </p:ext>
     </p:extLst>
   </p:cSld>
@@ -1493,7 +1493,7 @@
           <p:cNvPr id="2" name="标题 1">
             <a:extLst>
               <a:ext uri="{FF2B5EF4-FFF2-40B4-BE49-F238E27FC236}">
-                <a16:creationId xmlns:a16="http://schemas.microsoft.com/office/drawing/2014/main" id="{17CFE274-4975-3D85-5AEF-F4ABBC47F5A1}"/>
+                <a16:creationId xmlns:a16="http://schemas.microsoft.com/office/drawing/2014/main" id="{8CA3BD66-AA1F-2D2C-F01A-EC205B1B66E8}"/>
               </a:ext>
             </a:extLst>
           </p:cNvPr>
@@ -1526,7 +1526,7 @@
           <p:cNvPr id="3" name="文本占位符 2">
             <a:extLst>
               <a:ext uri="{FF2B5EF4-FFF2-40B4-BE49-F238E27FC236}">
-                <a16:creationId xmlns:a16="http://schemas.microsoft.com/office/drawing/2014/main" id="{54F66233-5AB9-FA3C-AAEC-C2E3186F31B5}"/>
+                <a16:creationId xmlns:a16="http://schemas.microsoft.com/office/drawing/2014/main" id="{C223878E-5880-A0FF-3856-9CECC73E4942}"/>
               </a:ext>
             </a:extLst>
           </p:cNvPr>
@@ -1597,7 +1597,7 @@
           <p:cNvPr id="4" name="内容占位符 3">
             <a:extLst>
               <a:ext uri="{FF2B5EF4-FFF2-40B4-BE49-F238E27FC236}">
-                <a16:creationId xmlns:a16="http://schemas.microsoft.com/office/drawing/2014/main" id="{78173062-87A4-F765-C992-CFFF20831B27}"/>
+                <a16:creationId xmlns:a16="http://schemas.microsoft.com/office/drawing/2014/main" id="{1823B752-860F-3928-09D1-0D7AAB16C1F1}"/>
               </a:ext>
             </a:extLst>
           </p:cNvPr>
@@ -1659,7 +1659,7 @@
           <p:cNvPr id="5" name="文本占位符 4">
             <a:extLst>
               <a:ext uri="{FF2B5EF4-FFF2-40B4-BE49-F238E27FC236}">
-                <a16:creationId xmlns:a16="http://schemas.microsoft.com/office/drawing/2014/main" id="{28442612-99FB-2EE1-787C-FB104732C175}"/>
+                <a16:creationId xmlns:a16="http://schemas.microsoft.com/office/drawing/2014/main" id="{4C665A94-FB44-E502-B275-3D9C7F3DF6FF}"/>
               </a:ext>
             </a:extLst>
           </p:cNvPr>
@@ -1730,7 +1730,7 @@
           <p:cNvPr id="6" name="内容占位符 5">
             <a:extLst>
               <a:ext uri="{FF2B5EF4-FFF2-40B4-BE49-F238E27FC236}">
-                <a16:creationId xmlns:a16="http://schemas.microsoft.com/office/drawing/2014/main" id="{0E6DD655-11BF-02F6-8BE0-F6D87662D70E}"/>
+                <a16:creationId xmlns:a16="http://schemas.microsoft.com/office/drawing/2014/main" id="{4956450C-4BAF-A515-DFB0-60F6A1D79002}"/>
               </a:ext>
             </a:extLst>
           </p:cNvPr>
@@ -1792,7 +1792,7 @@
           <p:cNvPr id="7" name="日期占位符 6">
             <a:extLst>
               <a:ext uri="{FF2B5EF4-FFF2-40B4-BE49-F238E27FC236}">
-                <a16:creationId xmlns:a16="http://schemas.microsoft.com/office/drawing/2014/main" id="{3AB5B925-B52F-D5B3-4F4D-87A776A74386}"/>
+                <a16:creationId xmlns:a16="http://schemas.microsoft.com/office/drawing/2014/main" id="{ECC166E7-7A9F-DE8C-BC0D-07A6DFF9FD5F}"/>
               </a:ext>
             </a:extLst>
           </p:cNvPr>
@@ -1808,7 +1808,7 @@
           <a:bodyPr/>
           <a:lstStyle/>
           <a:p>
-            <a:fld id="{A20725FA-4520-4EB7-92C4-9C83B35DEF71}" type="datetimeFigureOut">
+            <a:fld id="{08DAAAE5-B136-4104-9AC8-CE17C0E01DA3}" type="datetimeFigureOut">
               <a:rPr lang="zh-CN" altLang="en-US" smtClean="0"/>
               <a:t>2024/3/10</a:t>
             </a:fld>
@@ -1821,7 +1821,7 @@
           <p:cNvPr id="8" name="页脚占位符 7">
             <a:extLst>
               <a:ext uri="{FF2B5EF4-FFF2-40B4-BE49-F238E27FC236}">
-                <a16:creationId xmlns:a16="http://schemas.microsoft.com/office/drawing/2014/main" id="{6C28D953-AA78-2B5B-FFF7-A00A250EB3DD}"/>
+                <a16:creationId xmlns:a16="http://schemas.microsoft.com/office/drawing/2014/main" id="{A3F049A2-0DB0-2A22-E339-F19B7D243F1E}"/>
               </a:ext>
             </a:extLst>
           </p:cNvPr>
@@ -1846,7 +1846,7 @@
           <p:cNvPr id="9" name="灯片编号占位符 8">
             <a:extLst>
               <a:ext uri="{FF2B5EF4-FFF2-40B4-BE49-F238E27FC236}">
-                <a16:creationId xmlns:a16="http://schemas.microsoft.com/office/drawing/2014/main" id="{182FEE25-3AAD-3E82-278D-2DF5765314BB}"/>
+                <a16:creationId xmlns:a16="http://schemas.microsoft.com/office/drawing/2014/main" id="{6E0F2949-01C1-6A66-02BC-5AFF6BE42217}"/>
               </a:ext>
             </a:extLst>
           </p:cNvPr>
@@ -1862,7 +1862,7 @@
           <a:bodyPr/>
           <a:lstStyle/>
           <a:p>
-            <a:fld id="{9BEF1658-667D-49AB-8C14-B1AC727876ED}" type="slidenum">
+            <a:fld id="{4535E4E4-D0CD-4938-AC31-74A12FFABE2E}" type="slidenum">
               <a:rPr lang="zh-CN" altLang="en-US" smtClean="0"/>
               <a:t>‹#›</a:t>
             </a:fld>
@@ -1873,7 +1873,7 @@
     </p:spTree>
     <p:extLst>
       <p:ext uri="{BB962C8B-B14F-4D97-AF65-F5344CB8AC3E}">
-        <p14:creationId xmlns:p14="http://schemas.microsoft.com/office/powerpoint/2010/main" val="3129186211"/>
+        <p14:creationId xmlns:p14="http://schemas.microsoft.com/office/powerpoint/2010/main" val="1506787859"/>
       </p:ext>
     </p:extLst>
   </p:cSld>
@@ -1905,7 +1905,7 @@
           <p:cNvPr id="2" name="标题 1">
             <a:extLst>
               <a:ext uri="{FF2B5EF4-FFF2-40B4-BE49-F238E27FC236}">
-                <a16:creationId xmlns:a16="http://schemas.microsoft.com/office/drawing/2014/main" id="{E39B951D-7D21-3018-9E68-03680AAE3EF2}"/>
+                <a16:creationId xmlns:a16="http://schemas.microsoft.com/office/drawing/2014/main" id="{69811C39-D9BE-8929-B18D-B6D4500D442F}"/>
               </a:ext>
             </a:extLst>
           </p:cNvPr>
@@ -1933,7 +1933,7 @@
           <p:cNvPr id="3" name="日期占位符 2">
             <a:extLst>
               <a:ext uri="{FF2B5EF4-FFF2-40B4-BE49-F238E27FC236}">
-                <a16:creationId xmlns:a16="http://schemas.microsoft.com/office/drawing/2014/main" id="{CCD5D9B6-F7FD-ABF4-FB2D-BC9F7439468F}"/>
+                <a16:creationId xmlns:a16="http://schemas.microsoft.com/office/drawing/2014/main" id="{45D9DDED-D735-188F-EEAC-4A94E05AEF21}"/>
               </a:ext>
             </a:extLst>
           </p:cNvPr>
@@ -1949,7 +1949,7 @@
           <a:bodyPr/>
           <a:lstStyle/>
           <a:p>
-            <a:fld id="{A20725FA-4520-4EB7-92C4-9C83B35DEF71}" type="datetimeFigureOut">
+            <a:fld id="{08DAAAE5-B136-4104-9AC8-CE17C0E01DA3}" type="datetimeFigureOut">
               <a:rPr lang="zh-CN" altLang="en-US" smtClean="0"/>
               <a:t>2024/3/10</a:t>
             </a:fld>
@@ -1962,7 +1962,7 @@
           <p:cNvPr id="4" name="页脚占位符 3">
             <a:extLst>
               <a:ext uri="{FF2B5EF4-FFF2-40B4-BE49-F238E27FC236}">
-                <a16:creationId xmlns:a16="http://schemas.microsoft.com/office/drawing/2014/main" id="{B64120F3-15DB-A7F9-CE1B-44E0CD3A244F}"/>
+                <a16:creationId xmlns:a16="http://schemas.microsoft.com/office/drawing/2014/main" id="{34176060-8BA9-074A-D636-4892EA679395}"/>
               </a:ext>
             </a:extLst>
           </p:cNvPr>
@@ -1987,7 +1987,7 @@
           <p:cNvPr id="5" name="灯片编号占位符 4">
             <a:extLst>
               <a:ext uri="{FF2B5EF4-FFF2-40B4-BE49-F238E27FC236}">
-                <a16:creationId xmlns:a16="http://schemas.microsoft.com/office/drawing/2014/main" id="{9BDCEC50-E1A5-4053-BE81-615712B1C8C2}"/>
+                <a16:creationId xmlns:a16="http://schemas.microsoft.com/office/drawing/2014/main" id="{700791D8-81F8-BD70-7FB3-B4BEF8B05F1F}"/>
               </a:ext>
             </a:extLst>
           </p:cNvPr>
@@ -2003,7 +2003,7 @@
           <a:bodyPr/>
           <a:lstStyle/>
           <a:p>
-            <a:fld id="{9BEF1658-667D-49AB-8C14-B1AC727876ED}" type="slidenum">
+            <a:fld id="{4535E4E4-D0CD-4938-AC31-74A12FFABE2E}" type="slidenum">
               <a:rPr lang="zh-CN" altLang="en-US" smtClean="0"/>
               <a:t>‹#›</a:t>
             </a:fld>
@@ -2014,7 +2014,7 @@
     </p:spTree>
     <p:extLst>
       <p:ext uri="{BB962C8B-B14F-4D97-AF65-F5344CB8AC3E}">
-        <p14:creationId xmlns:p14="http://schemas.microsoft.com/office/powerpoint/2010/main" val="3709383177"/>
+        <p14:creationId xmlns:p14="http://schemas.microsoft.com/office/powerpoint/2010/main" val="3826842314"/>
       </p:ext>
     </p:extLst>
   </p:cSld>
@@ -2046,7 +2046,7 @@
           <p:cNvPr id="2" name="日期占位符 1">
             <a:extLst>
               <a:ext uri="{FF2B5EF4-FFF2-40B4-BE49-F238E27FC236}">
-                <a16:creationId xmlns:a16="http://schemas.microsoft.com/office/drawing/2014/main" id="{E04191B4-98B6-1678-B24F-5A4CE3DFF4C5}"/>
+                <a16:creationId xmlns:a16="http://schemas.microsoft.com/office/drawing/2014/main" id="{F7BB1D83-E476-A288-D5BC-8CFFE0B2E3A0}"/>
               </a:ext>
             </a:extLst>
           </p:cNvPr>
@@ -2062,7 +2062,7 @@
           <a:bodyPr/>
           <a:lstStyle/>
           <a:p>
-            <a:fld id="{A20725FA-4520-4EB7-92C4-9C83B35DEF71}" type="datetimeFigureOut">
+            <a:fld id="{08DAAAE5-B136-4104-9AC8-CE17C0E01DA3}" type="datetimeFigureOut">
               <a:rPr lang="zh-CN" altLang="en-US" smtClean="0"/>
               <a:t>2024/3/10</a:t>
             </a:fld>
@@ -2075,7 +2075,7 @@
           <p:cNvPr id="3" name="页脚占位符 2">
             <a:extLst>
               <a:ext uri="{FF2B5EF4-FFF2-40B4-BE49-F238E27FC236}">
-                <a16:creationId xmlns:a16="http://schemas.microsoft.com/office/drawing/2014/main" id="{5C0F560C-6AC4-3C60-E776-41AAF0894342}"/>
+                <a16:creationId xmlns:a16="http://schemas.microsoft.com/office/drawing/2014/main" id="{96133484-DF4A-A5F7-3C46-DA63626D206D}"/>
               </a:ext>
             </a:extLst>
           </p:cNvPr>
@@ -2100,7 +2100,7 @@
           <p:cNvPr id="4" name="灯片编号占位符 3">
             <a:extLst>
               <a:ext uri="{FF2B5EF4-FFF2-40B4-BE49-F238E27FC236}">
-                <a16:creationId xmlns:a16="http://schemas.microsoft.com/office/drawing/2014/main" id="{E78F13E9-2E36-7065-A248-00B637B87E75}"/>
+                <a16:creationId xmlns:a16="http://schemas.microsoft.com/office/drawing/2014/main" id="{657B793A-9D09-B910-AFE7-2FAB1EFBAF05}"/>
               </a:ext>
             </a:extLst>
           </p:cNvPr>
@@ -2116,7 +2116,7 @@
           <a:bodyPr/>
           <a:lstStyle/>
           <a:p>
-            <a:fld id="{9BEF1658-667D-49AB-8C14-B1AC727876ED}" type="slidenum">
+            <a:fld id="{4535E4E4-D0CD-4938-AC31-74A12FFABE2E}" type="slidenum">
               <a:rPr lang="zh-CN" altLang="en-US" smtClean="0"/>
               <a:t>‹#›</a:t>
             </a:fld>
@@ -2127,7 +2127,7 @@
     </p:spTree>
     <p:extLst>
       <p:ext uri="{BB962C8B-B14F-4D97-AF65-F5344CB8AC3E}">
-        <p14:creationId xmlns:p14="http://schemas.microsoft.com/office/powerpoint/2010/main" val="1511040544"/>
+        <p14:creationId xmlns:p14="http://schemas.microsoft.com/office/powerpoint/2010/main" val="572160689"/>
       </p:ext>
     </p:extLst>
   </p:cSld>
@@ -2159,7 +2159,7 @@
           <p:cNvPr id="2" name="标题 1">
             <a:extLst>
               <a:ext uri="{FF2B5EF4-FFF2-40B4-BE49-F238E27FC236}">
-                <a16:creationId xmlns:a16="http://schemas.microsoft.com/office/drawing/2014/main" id="{57EB5265-093D-CC93-7A3E-2C7048D580EE}"/>
+                <a16:creationId xmlns:a16="http://schemas.microsoft.com/office/drawing/2014/main" id="{F38A1247-3261-4672-9DDA-8FBF920BC9F2}"/>
               </a:ext>
             </a:extLst>
           </p:cNvPr>
@@ -2196,7 +2196,7 @@
           <p:cNvPr id="3" name="内容占位符 2">
             <a:extLst>
               <a:ext uri="{FF2B5EF4-FFF2-40B4-BE49-F238E27FC236}">
-                <a16:creationId xmlns:a16="http://schemas.microsoft.com/office/drawing/2014/main" id="{3BE5743E-606E-6891-BB15-0529CD74F18F}"/>
+                <a16:creationId xmlns:a16="http://schemas.microsoft.com/office/drawing/2014/main" id="{B2982A85-CDFD-5BA8-AE98-4B766142D19C}"/>
               </a:ext>
             </a:extLst>
           </p:cNvPr>
@@ -2286,7 +2286,7 @@
           <p:cNvPr id="4" name="文本占位符 3">
             <a:extLst>
               <a:ext uri="{FF2B5EF4-FFF2-40B4-BE49-F238E27FC236}">
-                <a16:creationId xmlns:a16="http://schemas.microsoft.com/office/drawing/2014/main" id="{77D609A6-93B9-23F0-0C05-47D36EAE788C}"/>
+                <a16:creationId xmlns:a16="http://schemas.microsoft.com/office/drawing/2014/main" id="{24337FA2-6F22-86FF-5A65-4AD543D6792E}"/>
               </a:ext>
             </a:extLst>
           </p:cNvPr>
@@ -2357,7 +2357,7 @@
           <p:cNvPr id="5" name="日期占位符 4">
             <a:extLst>
               <a:ext uri="{FF2B5EF4-FFF2-40B4-BE49-F238E27FC236}">
-                <a16:creationId xmlns:a16="http://schemas.microsoft.com/office/drawing/2014/main" id="{D1A8D83E-B43F-054F-00A0-3C221B97691A}"/>
+                <a16:creationId xmlns:a16="http://schemas.microsoft.com/office/drawing/2014/main" id="{E551758E-3E34-9259-EFEF-9B52DC2CD34E}"/>
               </a:ext>
             </a:extLst>
           </p:cNvPr>
@@ -2373,7 +2373,7 @@
           <a:bodyPr/>
           <a:lstStyle/>
           <a:p>
-            <a:fld id="{A20725FA-4520-4EB7-92C4-9C83B35DEF71}" type="datetimeFigureOut">
+            <a:fld id="{08DAAAE5-B136-4104-9AC8-CE17C0E01DA3}" type="datetimeFigureOut">
               <a:rPr lang="zh-CN" altLang="en-US" smtClean="0"/>
               <a:t>2024/3/10</a:t>
             </a:fld>
@@ -2386,7 +2386,7 @@
           <p:cNvPr id="6" name="页脚占位符 5">
             <a:extLst>
               <a:ext uri="{FF2B5EF4-FFF2-40B4-BE49-F238E27FC236}">
-                <a16:creationId xmlns:a16="http://schemas.microsoft.com/office/drawing/2014/main" id="{F5314D4A-5613-4C35-232A-A6F11E8BEA11}"/>
+                <a16:creationId xmlns:a16="http://schemas.microsoft.com/office/drawing/2014/main" id="{0C5E92CE-BB55-9705-C191-1B5587EF69FA}"/>
               </a:ext>
             </a:extLst>
           </p:cNvPr>
@@ -2411,7 +2411,7 @@
           <p:cNvPr id="7" name="灯片编号占位符 6">
             <a:extLst>
               <a:ext uri="{FF2B5EF4-FFF2-40B4-BE49-F238E27FC236}">
-                <a16:creationId xmlns:a16="http://schemas.microsoft.com/office/drawing/2014/main" id="{9654A7F6-E6DE-829F-F85B-DB9DD9C6E44D}"/>
+                <a16:creationId xmlns:a16="http://schemas.microsoft.com/office/drawing/2014/main" id="{D6145027-097F-907F-9976-B156A405CF21}"/>
               </a:ext>
             </a:extLst>
           </p:cNvPr>
@@ -2427,7 +2427,7 @@
           <a:bodyPr/>
           <a:lstStyle/>
           <a:p>
-            <a:fld id="{9BEF1658-667D-49AB-8C14-B1AC727876ED}" type="slidenum">
+            <a:fld id="{4535E4E4-D0CD-4938-AC31-74A12FFABE2E}" type="slidenum">
               <a:rPr lang="zh-CN" altLang="en-US" smtClean="0"/>
               <a:t>‹#›</a:t>
             </a:fld>
@@ -2438,7 +2438,7 @@
     </p:spTree>
     <p:extLst>
       <p:ext uri="{BB962C8B-B14F-4D97-AF65-F5344CB8AC3E}">
-        <p14:creationId xmlns:p14="http://schemas.microsoft.com/office/powerpoint/2010/main" val="1590292546"/>
+        <p14:creationId xmlns:p14="http://schemas.microsoft.com/office/powerpoint/2010/main" val="2600091945"/>
       </p:ext>
     </p:extLst>
   </p:cSld>
@@ -2470,7 +2470,7 @@
           <p:cNvPr id="2" name="标题 1">
             <a:extLst>
               <a:ext uri="{FF2B5EF4-FFF2-40B4-BE49-F238E27FC236}">
-                <a16:creationId xmlns:a16="http://schemas.microsoft.com/office/drawing/2014/main" id="{7B77DD7A-BDB3-AD47-135C-3F400D1155D9}"/>
+                <a16:creationId xmlns:a16="http://schemas.microsoft.com/office/drawing/2014/main" id="{A5D04072-4235-028B-5543-304A41FE59EE}"/>
               </a:ext>
             </a:extLst>
           </p:cNvPr>
@@ -2507,7 +2507,7 @@
           <p:cNvPr id="3" name="图片占位符 2">
             <a:extLst>
               <a:ext uri="{FF2B5EF4-FFF2-40B4-BE49-F238E27FC236}">
-                <a16:creationId xmlns:a16="http://schemas.microsoft.com/office/drawing/2014/main" id="{608FEBAE-0998-4739-21B3-62F3C6A665A2}"/>
+                <a16:creationId xmlns:a16="http://schemas.microsoft.com/office/drawing/2014/main" id="{E2E4A901-754B-DDFB-7118-1187DC2AA997}"/>
               </a:ext>
             </a:extLst>
           </p:cNvPr>
@@ -2574,7 +2574,7 @@
           <p:cNvPr id="4" name="文本占位符 3">
             <a:extLst>
               <a:ext uri="{FF2B5EF4-FFF2-40B4-BE49-F238E27FC236}">
-                <a16:creationId xmlns:a16="http://schemas.microsoft.com/office/drawing/2014/main" id="{DB952262-186A-98D9-A132-22BDF8FE3D69}"/>
+                <a16:creationId xmlns:a16="http://schemas.microsoft.com/office/drawing/2014/main" id="{80F5BDD0-FB80-F893-373A-3F84D7DDBDE4}"/>
               </a:ext>
             </a:extLst>
           </p:cNvPr>
@@ -2645,7 +2645,7 @@
           <p:cNvPr id="5" name="日期占位符 4">
             <a:extLst>
               <a:ext uri="{FF2B5EF4-FFF2-40B4-BE49-F238E27FC236}">
-                <a16:creationId xmlns:a16="http://schemas.microsoft.com/office/drawing/2014/main" id="{B3436631-8E3B-4DAD-19AB-A7D1A13A026B}"/>
+                <a16:creationId xmlns:a16="http://schemas.microsoft.com/office/drawing/2014/main" id="{50E14C5E-4F35-5316-E430-B2D914721072}"/>
               </a:ext>
             </a:extLst>
           </p:cNvPr>
@@ -2661,7 +2661,7 @@
           <a:bodyPr/>
           <a:lstStyle/>
           <a:p>
-            <a:fld id="{A20725FA-4520-4EB7-92C4-9C83B35DEF71}" type="datetimeFigureOut">
+            <a:fld id="{08DAAAE5-B136-4104-9AC8-CE17C0E01DA3}" type="datetimeFigureOut">
               <a:rPr lang="zh-CN" altLang="en-US" smtClean="0"/>
               <a:t>2024/3/10</a:t>
             </a:fld>
@@ -2674,7 +2674,7 @@
           <p:cNvPr id="6" name="页脚占位符 5">
             <a:extLst>
               <a:ext uri="{FF2B5EF4-FFF2-40B4-BE49-F238E27FC236}">
-                <a16:creationId xmlns:a16="http://schemas.microsoft.com/office/drawing/2014/main" id="{18288CD0-57A5-88CC-729F-9643775E523E}"/>
+                <a16:creationId xmlns:a16="http://schemas.microsoft.com/office/drawing/2014/main" id="{B1F583EB-17CF-13E4-37E7-F12454B523A3}"/>
               </a:ext>
             </a:extLst>
           </p:cNvPr>
@@ -2699,7 +2699,7 @@
           <p:cNvPr id="7" name="灯片编号占位符 6">
             <a:extLst>
               <a:ext uri="{FF2B5EF4-FFF2-40B4-BE49-F238E27FC236}">
-                <a16:creationId xmlns:a16="http://schemas.microsoft.com/office/drawing/2014/main" id="{6D430D23-F2CF-BEBF-EA09-D15D5B59E6AB}"/>
+                <a16:creationId xmlns:a16="http://schemas.microsoft.com/office/drawing/2014/main" id="{BD148E6D-9956-8DE8-F5A4-68AE1ACD9443}"/>
               </a:ext>
             </a:extLst>
           </p:cNvPr>
@@ -2715,7 +2715,7 @@
           <a:bodyPr/>
           <a:lstStyle/>
           <a:p>
-            <a:fld id="{9BEF1658-667D-49AB-8C14-B1AC727876ED}" type="slidenum">
+            <a:fld id="{4535E4E4-D0CD-4938-AC31-74A12FFABE2E}" type="slidenum">
               <a:rPr lang="zh-CN" altLang="en-US" smtClean="0"/>
               <a:t>‹#›</a:t>
             </a:fld>
@@ -2726,7 +2726,7 @@
     </p:spTree>
     <p:extLst>
       <p:ext uri="{BB962C8B-B14F-4D97-AF65-F5344CB8AC3E}">
-        <p14:creationId xmlns:p14="http://schemas.microsoft.com/office/powerpoint/2010/main" val="3889085601"/>
+        <p14:creationId xmlns:p14="http://schemas.microsoft.com/office/powerpoint/2010/main" val="3488006092"/>
       </p:ext>
     </p:extLst>
   </p:cSld>
@@ -2763,7 +2763,7 @@
           <p:cNvPr id="2" name="标题占位符 1">
             <a:extLst>
               <a:ext uri="{FF2B5EF4-FFF2-40B4-BE49-F238E27FC236}">
-                <a16:creationId xmlns:a16="http://schemas.microsoft.com/office/drawing/2014/main" id="{458A42AA-D032-D8E4-3938-AE3A665F4038}"/>
+                <a16:creationId xmlns:a16="http://schemas.microsoft.com/office/drawing/2014/main" id="{3FE9CC47-EA2C-1AB7-A7F7-0CCF466BDA08}"/>
               </a:ext>
             </a:extLst>
           </p:cNvPr>
@@ -2801,7 +2801,7 @@
           <p:cNvPr id="3" name="文本占位符 2">
             <a:extLst>
               <a:ext uri="{FF2B5EF4-FFF2-40B4-BE49-F238E27FC236}">
-                <a16:creationId xmlns:a16="http://schemas.microsoft.com/office/drawing/2014/main" id="{ED7EFC12-5C37-1057-A99F-7DD79411624F}"/>
+                <a16:creationId xmlns:a16="http://schemas.microsoft.com/office/drawing/2014/main" id="{273F7ED3-DB71-A8DD-E1B9-81D0076769E4}"/>
               </a:ext>
             </a:extLst>
           </p:cNvPr>
@@ -2868,7 +2868,7 @@
           <p:cNvPr id="4" name="日期占位符 3">
             <a:extLst>
               <a:ext uri="{FF2B5EF4-FFF2-40B4-BE49-F238E27FC236}">
-                <a16:creationId xmlns:a16="http://schemas.microsoft.com/office/drawing/2014/main" id="{DF62DE5D-3D34-434C-214A-1AF8A07EA435}"/>
+                <a16:creationId xmlns:a16="http://schemas.microsoft.com/office/drawing/2014/main" id="{34E7443B-76C8-FFD7-39A4-B6270E137647}"/>
               </a:ext>
             </a:extLst>
           </p:cNvPr>
@@ -2902,7 +2902,7 @@
             </a:lvl1pPr>
           </a:lstStyle>
           <a:p>
-            <a:fld id="{A20725FA-4520-4EB7-92C4-9C83B35DEF71}" type="datetimeFigureOut">
+            <a:fld id="{08DAAAE5-B136-4104-9AC8-CE17C0E01DA3}" type="datetimeFigureOut">
               <a:rPr lang="zh-CN" altLang="en-US" smtClean="0"/>
               <a:t>2024/3/10</a:t>
             </a:fld>
@@ -2915,7 +2915,7 @@
           <p:cNvPr id="5" name="页脚占位符 4">
             <a:extLst>
               <a:ext uri="{FF2B5EF4-FFF2-40B4-BE49-F238E27FC236}">
-                <a16:creationId xmlns:a16="http://schemas.microsoft.com/office/drawing/2014/main" id="{C9FC7EBD-676B-E298-5636-24BCC48EA1AB}"/>
+                <a16:creationId xmlns:a16="http://schemas.microsoft.com/office/drawing/2014/main" id="{A829DC79-BA55-0660-54C4-1CEA84AFE575}"/>
               </a:ext>
             </a:extLst>
           </p:cNvPr>
@@ -2958,7 +2958,7 @@
           <p:cNvPr id="6" name="灯片编号占位符 5">
             <a:extLst>
               <a:ext uri="{FF2B5EF4-FFF2-40B4-BE49-F238E27FC236}">
-                <a16:creationId xmlns:a16="http://schemas.microsoft.com/office/drawing/2014/main" id="{9E1090A3-2D8B-722D-EE8B-45B0443EFE58}"/>
+                <a16:creationId xmlns:a16="http://schemas.microsoft.com/office/drawing/2014/main" id="{830E703B-ADCA-C50D-1DEB-2FA60E82A381}"/>
               </a:ext>
             </a:extLst>
           </p:cNvPr>
@@ -2992,7 +2992,7 @@
             </a:lvl1pPr>
           </a:lstStyle>
           <a:p>
-            <a:fld id="{9BEF1658-667D-49AB-8C14-B1AC727876ED}" type="slidenum">
+            <a:fld id="{4535E4E4-D0CD-4938-AC31-74A12FFABE2E}" type="slidenum">
               <a:rPr lang="zh-CN" altLang="en-US" smtClean="0"/>
               <a:t>‹#›</a:t>
             </a:fld>
@@ -3003,7 +3003,7 @@
     </p:spTree>
     <p:extLst>
       <p:ext uri="{BB962C8B-B14F-4D97-AF65-F5344CB8AC3E}">
-        <p14:creationId xmlns:p14="http://schemas.microsoft.com/office/powerpoint/2010/main" val="922498670"/>
+        <p14:creationId xmlns:p14="http://schemas.microsoft.com/office/powerpoint/2010/main" val="3948437266"/>
       </p:ext>
     </p:extLst>
   </p:cSld>
@@ -3323,7 +3323,7 @@
       </p:grpSpPr>
       <p:pic>
         <p:nvPicPr>
-          <p:cNvPr id="280578" name="Picture 2" descr="273"/>
+          <p:cNvPr id="281602" name="Picture 2" descr="274"/>
           <p:cNvPicPr>
             <a:picLocks noChangeAspect="1" noChangeArrowheads="1"/>
           </p:cNvPicPr>
@@ -3375,11 +3375,158 @@
           </a:extLst>
         </p:spPr>
       </p:pic>
+      <p:pic>
+        <p:nvPicPr>
+          <p:cNvPr id="282627" name="Picture 3" descr="274-2"/>
+          <p:cNvPicPr>
+            <a:picLocks noChangeAspect="1" noChangeArrowheads="1"/>
+          </p:cNvPicPr>
+          <p:nvPr/>
+        </p:nvPicPr>
+        <p:blipFill>
+          <a:blip r:embed="rId3">
+            <a:extLst>
+              <a:ext uri="{28A0092B-C50C-407E-A947-70E740481C1C}">
+                <a14:useLocalDpi xmlns:a14="http://schemas.microsoft.com/office/drawing/2010/main" val="0"/>
+              </a:ext>
+            </a:extLst>
+          </a:blip>
+          <a:srcRect/>
+          <a:stretch>
+            <a:fillRect/>
+          </a:stretch>
+        </p:blipFill>
+        <p:spPr bwMode="auto">
+          <a:xfrm>
+            <a:off x="1524000" y="0"/>
+            <a:ext cx="9144000" cy="6858000"/>
+          </a:xfrm>
+          <a:prstGeom prst="rect">
+            <a:avLst/>
+          </a:prstGeom>
+          <a:noFill/>
+          <a:ln>
+            <a:noFill/>
+          </a:ln>
+          <a:effectLst/>
+          <a:extLst>
+            <a:ext uri="{909E8E84-426E-40DD-AFC4-6F175D3DCCD1}">
+              <a14:hiddenFill xmlns:a14="http://schemas.microsoft.com/office/drawing/2010/main">
+                <a:solidFill>
+                  <a:srgbClr val="FFFFFF"/>
+                </a:solidFill>
+              </a14:hiddenFill>
+            </a:ext>
+            <a:ext uri="{91240B29-F687-4F45-9708-019B960494DF}">
+              <a14:hiddenLine xmlns:a14="http://schemas.microsoft.com/office/drawing/2010/main" w="9525">
+                <a:solidFill>
+                  <a:srgbClr val="000000"/>
+                </a:solidFill>
+                <a:miter lim="800000"/>
+                <a:headEnd/>
+                <a:tailEnd/>
+              </a14:hiddenLine>
+            </a:ext>
+            <a:ext uri="{AF507438-7753-43E0-B8FC-AC1667EBCBE1}">
+              <a14:hiddenEffects xmlns:a14="http://schemas.microsoft.com/office/drawing/2010/main">
+                <a:effectLst>
+                  <a:outerShdw dist="35921" dir="2700000" algn="ctr" rotWithShape="0">
+                    <a:srgbClr val="808080"/>
+                  </a:outerShdw>
+                </a:effectLst>
+              </a14:hiddenEffects>
+            </a:ext>
+          </a:extLst>
+        </p:spPr>
+      </p:pic>
     </p:spTree>
   </p:cSld>
   <p:clrMapOvr>
     <a:masterClrMapping/>
   </p:clrMapOvr>
+  <p:timing>
+    <p:tnLst>
+      <p:par>
+        <p:cTn id="1" dur="indefinite" restart="never" nodeType="tmRoot">
+          <p:childTnLst>
+            <p:seq concurrent="1" nextAc="seek">
+              <p:cTn id="2" dur="indefinite" nodeType="mainSeq">
+                <p:childTnLst>
+                  <p:par>
+                    <p:cTn id="3" fill="hold" nodeType="clickPar">
+                      <p:stCondLst>
+                        <p:cond delay="indefinite"/>
+                      </p:stCondLst>
+                      <p:childTnLst>
+                        <p:par>
+                          <p:cTn id="4" fill="hold" nodeType="withGroup">
+                            <p:stCondLst>
+                              <p:cond delay="0"/>
+                            </p:stCondLst>
+                            <p:childTnLst>
+                              <p:par>
+                                <p:cTn id="5" presetID="10" presetClass="entr" presetSubtype="0" fill="hold" nodeType="clickEffect">
+                                  <p:stCondLst>
+                                    <p:cond delay="0"/>
+                                  </p:stCondLst>
+                                  <p:childTnLst>
+                                    <p:set>
+                                      <p:cBhvr>
+                                        <p:cTn id="6" dur="1" fill="hold">
+                                          <p:stCondLst>
+                                            <p:cond delay="0"/>
+                                          </p:stCondLst>
+                                        </p:cTn>
+                                        <p:tgtEl>
+                                          <p:spTgt spid="282627"/>
+                                        </p:tgtEl>
+                                        <p:attrNameLst>
+                                          <p:attrName>style.visibility</p:attrName>
+                                        </p:attrNameLst>
+                                      </p:cBhvr>
+                                      <p:to>
+                                        <p:strVal val="visible"/>
+                                      </p:to>
+                                    </p:set>
+                                    <p:animEffect transition="in" filter="fade">
+                                      <p:cBhvr>
+                                        <p:cTn id="7" dur="500"/>
+                                        <p:tgtEl>
+                                          <p:spTgt spid="282627"/>
+                                        </p:tgtEl>
+                                      </p:cBhvr>
+                                    </p:animEffect>
+                                  </p:childTnLst>
+                                </p:cTn>
+                              </p:par>
+                            </p:childTnLst>
+                          </p:cTn>
+                        </p:par>
+                      </p:childTnLst>
+                    </p:cTn>
+                  </p:par>
+                </p:childTnLst>
+              </p:cTn>
+              <p:prevCondLst>
+                <p:cond evt="onPrev" delay="0">
+                  <p:tgtEl>
+                    <p:sldTgt/>
+                  </p:tgtEl>
+                </p:cond>
+              </p:prevCondLst>
+              <p:nextCondLst>
+                <p:cond evt="onNext" delay="0">
+                  <p:tgtEl>
+                    <p:sldTgt/>
+                  </p:tgtEl>
+                </p:cond>
+              </p:nextCondLst>
+            </p:seq>
+          </p:childTnLst>
+        </p:cTn>
+      </p:par>
+    </p:tnLst>
+  </p:timing>
 </p:sld>
 </file>
 
